--- a/4 - Multiple Linear Regression/Normal Equation.pptx
+++ b/4 - Multiple Linear Regression/Normal Equation.pptx
@@ -214,7 +214,7 @@
           <a:p>
             <a:fld id="{F666E1FD-E7A0-497B-BBC0-740BAAC97C64}" type="datetimeFigureOut">
               <a:rPr lang="en-PH" smtClean="0"/>
-              <a:t>9/21/23</a:t>
+              <a:t>7/11/24</a:t>
             </a:fld>
             <a:endParaRPr lang="en-PH"/>
           </a:p>
@@ -1469,9 +1469,9 @@
           <a:bodyPr/>
           <a:lstStyle/>
           <a:p>
-            <a:fld id="{0CCF0B81-6BD8-4C65-9459-815598C5F1F4}" type="datetimeFigureOut">
+            <a:fld id="{3FA2E40D-D91F-884F-B2BC-EF4B80458EFC}" type="datetime1">
               <a:rPr lang="en-PH" smtClean="0"/>
-              <a:t>9/21/23</a:t>
+              <a:t>7/11/24</a:t>
             </a:fld>
             <a:endParaRPr lang="en-PH"/>
           </a:p>
@@ -1498,7 +1498,10 @@
           <a:bodyPr/>
           <a:lstStyle/>
           <a:p>
-            <a:endParaRPr lang="en-PH"/>
+            <a:r>
+              <a:rPr lang="en-PH"/>
+              <a:t>CCMACLRL</a:t>
+            </a:r>
           </a:p>
         </p:txBody>
       </p:sp>
@@ -1669,9 +1672,9 @@
           <a:bodyPr/>
           <a:lstStyle/>
           <a:p>
-            <a:fld id="{0CCF0B81-6BD8-4C65-9459-815598C5F1F4}" type="datetimeFigureOut">
+            <a:fld id="{3FD44B92-B7DA-6B4C-B9DC-F2C2FFDB0984}" type="datetime1">
               <a:rPr lang="en-PH" smtClean="0"/>
-              <a:t>9/21/23</a:t>
+              <a:t>7/11/24</a:t>
             </a:fld>
             <a:endParaRPr lang="en-PH"/>
           </a:p>
@@ -1698,7 +1701,10 @@
           <a:bodyPr/>
           <a:lstStyle/>
           <a:p>
-            <a:endParaRPr lang="en-PH"/>
+            <a:r>
+              <a:rPr lang="en-PH"/>
+              <a:t>CCMACLRL</a:t>
+            </a:r>
           </a:p>
         </p:txBody>
       </p:sp>
@@ -1879,9 +1885,9 @@
           <a:bodyPr/>
           <a:lstStyle/>
           <a:p>
-            <a:fld id="{0CCF0B81-6BD8-4C65-9459-815598C5F1F4}" type="datetimeFigureOut">
+            <a:fld id="{09507998-A965-8C43-B479-E446E17BF6D5}" type="datetime1">
               <a:rPr lang="en-PH" smtClean="0"/>
-              <a:t>9/21/23</a:t>
+              <a:t>7/11/24</a:t>
             </a:fld>
             <a:endParaRPr lang="en-PH"/>
           </a:p>
@@ -1908,7 +1914,10 @@
           <a:bodyPr/>
           <a:lstStyle/>
           <a:p>
-            <a:endParaRPr lang="en-PH"/>
+            <a:r>
+              <a:rPr lang="en-PH"/>
+              <a:t>CCMACLRL</a:t>
+            </a:r>
           </a:p>
         </p:txBody>
       </p:sp>
@@ -2079,9 +2088,9 @@
           <a:bodyPr/>
           <a:lstStyle/>
           <a:p>
-            <a:fld id="{0CCF0B81-6BD8-4C65-9459-815598C5F1F4}" type="datetimeFigureOut">
+            <a:fld id="{D3777BAE-12E5-D74C-8665-A6519F56F7F7}" type="datetime1">
               <a:rPr lang="en-PH" smtClean="0"/>
-              <a:t>9/21/23</a:t>
+              <a:t>7/11/24</a:t>
             </a:fld>
             <a:endParaRPr lang="en-PH"/>
           </a:p>
@@ -2108,7 +2117,10 @@
           <a:bodyPr/>
           <a:lstStyle/>
           <a:p>
-            <a:endParaRPr lang="en-PH"/>
+            <a:r>
+              <a:rPr lang="en-PH"/>
+              <a:t>CCMACLRL</a:t>
+            </a:r>
           </a:p>
         </p:txBody>
       </p:sp>
@@ -2355,9 +2367,9 @@
           <a:bodyPr/>
           <a:lstStyle/>
           <a:p>
-            <a:fld id="{0CCF0B81-6BD8-4C65-9459-815598C5F1F4}" type="datetimeFigureOut">
+            <a:fld id="{B16FF0DC-76F7-7547-8EA8-EAB67C1E6D67}" type="datetime1">
               <a:rPr lang="en-PH" smtClean="0"/>
-              <a:t>9/21/23</a:t>
+              <a:t>7/11/24</a:t>
             </a:fld>
             <a:endParaRPr lang="en-PH"/>
           </a:p>
@@ -2384,7 +2396,10 @@
           <a:bodyPr/>
           <a:lstStyle/>
           <a:p>
-            <a:endParaRPr lang="en-PH"/>
+            <a:r>
+              <a:rPr lang="en-PH"/>
+              <a:t>CCMACLRL</a:t>
+            </a:r>
           </a:p>
         </p:txBody>
       </p:sp>
@@ -2623,9 +2638,9 @@
           <a:bodyPr/>
           <a:lstStyle/>
           <a:p>
-            <a:fld id="{0CCF0B81-6BD8-4C65-9459-815598C5F1F4}" type="datetimeFigureOut">
+            <a:fld id="{7E69EA2D-5653-924D-995B-23255F0F1428}" type="datetime1">
               <a:rPr lang="en-PH" smtClean="0"/>
-              <a:t>9/21/23</a:t>
+              <a:t>7/11/24</a:t>
             </a:fld>
             <a:endParaRPr lang="en-PH"/>
           </a:p>
@@ -2652,7 +2667,10 @@
           <a:bodyPr/>
           <a:lstStyle/>
           <a:p>
-            <a:endParaRPr lang="en-PH"/>
+            <a:r>
+              <a:rPr lang="en-PH"/>
+              <a:t>CCMACLRL</a:t>
+            </a:r>
           </a:p>
         </p:txBody>
       </p:sp>
@@ -3038,9 +3056,9 @@
           <a:bodyPr/>
           <a:lstStyle/>
           <a:p>
-            <a:fld id="{0CCF0B81-6BD8-4C65-9459-815598C5F1F4}" type="datetimeFigureOut">
+            <a:fld id="{2C7176FC-8251-694B-9314-7960F4648313}" type="datetime1">
               <a:rPr lang="en-PH" smtClean="0"/>
-              <a:t>9/21/23</a:t>
+              <a:t>7/11/24</a:t>
             </a:fld>
             <a:endParaRPr lang="en-PH"/>
           </a:p>
@@ -3067,7 +3085,10 @@
           <a:bodyPr/>
           <a:lstStyle/>
           <a:p>
-            <a:endParaRPr lang="en-PH"/>
+            <a:r>
+              <a:rPr lang="en-PH"/>
+              <a:t>CCMACLRL</a:t>
+            </a:r>
           </a:p>
         </p:txBody>
       </p:sp>
@@ -3180,9 +3201,9 @@
           <a:bodyPr/>
           <a:lstStyle/>
           <a:p>
-            <a:fld id="{0CCF0B81-6BD8-4C65-9459-815598C5F1F4}" type="datetimeFigureOut">
+            <a:fld id="{1EDAA35A-494A-B740-994A-6DFFC008D342}" type="datetime1">
               <a:rPr lang="en-PH" smtClean="0"/>
-              <a:t>9/21/23</a:t>
+              <a:t>7/11/24</a:t>
             </a:fld>
             <a:endParaRPr lang="en-PH"/>
           </a:p>
@@ -3209,7 +3230,10 @@
           <a:bodyPr/>
           <a:lstStyle/>
           <a:p>
-            <a:endParaRPr lang="en-PH"/>
+            <a:r>
+              <a:rPr lang="en-PH"/>
+              <a:t>CCMACLRL</a:t>
+            </a:r>
           </a:p>
         </p:txBody>
       </p:sp>
@@ -3293,9 +3317,9 @@
           <a:bodyPr/>
           <a:lstStyle/>
           <a:p>
-            <a:fld id="{0CCF0B81-6BD8-4C65-9459-815598C5F1F4}" type="datetimeFigureOut">
+            <a:fld id="{E4148BB1-AB16-5146-9ED3-89D82579D152}" type="datetime1">
               <a:rPr lang="en-PH" smtClean="0"/>
-              <a:t>9/21/23</a:t>
+              <a:t>7/11/24</a:t>
             </a:fld>
             <a:endParaRPr lang="en-PH"/>
           </a:p>
@@ -3322,7 +3346,10 @@
           <a:bodyPr/>
           <a:lstStyle/>
           <a:p>
-            <a:endParaRPr lang="en-PH"/>
+            <a:r>
+              <a:rPr lang="en-PH"/>
+              <a:t>CCMACLRL</a:t>
+            </a:r>
           </a:p>
         </p:txBody>
       </p:sp>
@@ -3606,9 +3633,9 @@
           <a:bodyPr/>
           <a:lstStyle/>
           <a:p>
-            <a:fld id="{0CCF0B81-6BD8-4C65-9459-815598C5F1F4}" type="datetimeFigureOut">
+            <a:fld id="{08265F27-A515-B146-87A5-91A5FE8E4F46}" type="datetime1">
               <a:rPr lang="en-PH" smtClean="0"/>
-              <a:t>9/21/23</a:t>
+              <a:t>7/11/24</a:t>
             </a:fld>
             <a:endParaRPr lang="en-PH"/>
           </a:p>
@@ -3635,7 +3662,10 @@
           <a:bodyPr/>
           <a:lstStyle/>
           <a:p>
-            <a:endParaRPr lang="en-PH"/>
+            <a:r>
+              <a:rPr lang="en-PH"/>
+              <a:t>CCMACLRL</a:t>
+            </a:r>
           </a:p>
         </p:txBody>
       </p:sp>
@@ -3895,9 +3925,9 @@
           <a:bodyPr/>
           <a:lstStyle/>
           <a:p>
-            <a:fld id="{0CCF0B81-6BD8-4C65-9459-815598C5F1F4}" type="datetimeFigureOut">
+            <a:fld id="{8FC086D9-336A-0E42-A606-69831DE70B18}" type="datetime1">
               <a:rPr lang="en-PH" smtClean="0"/>
-              <a:t>9/21/23</a:t>
+              <a:t>7/11/24</a:t>
             </a:fld>
             <a:endParaRPr lang="en-PH"/>
           </a:p>
@@ -3924,7 +3954,10 @@
           <a:bodyPr/>
           <a:lstStyle/>
           <a:p>
-            <a:endParaRPr lang="en-PH"/>
+            <a:r>
+              <a:rPr lang="en-PH"/>
+              <a:t>CCMACLRL</a:t>
+            </a:r>
           </a:p>
         </p:txBody>
       </p:sp>
@@ -4138,9 +4171,9 @@
             </a:lvl1pPr>
           </a:lstStyle>
           <a:p>
-            <a:fld id="{0CCF0B81-6BD8-4C65-9459-815598C5F1F4}" type="datetimeFigureOut">
+            <a:fld id="{FEB9CF76-276E-4041-BC4F-9B8CB42DAC9C}" type="datetime1">
               <a:rPr lang="en-PH" smtClean="0"/>
-              <a:t>9/21/23</a:t>
+              <a:t>7/11/24</a:t>
             </a:fld>
             <a:endParaRPr lang="en-PH"/>
           </a:p>
@@ -4185,7 +4218,10 @@
             </a:lvl1pPr>
           </a:lstStyle>
           <a:p>
-            <a:endParaRPr lang="en-PH"/>
+            <a:r>
+              <a:rPr lang="en-PH"/>
+              <a:t>CCMACLRL</a:t>
+            </a:r>
           </a:p>
         </p:txBody>
       </p:sp>
@@ -4257,6 +4293,7 @@
     <p:sldLayoutId id="2147483658" r:id="rId10"/>
     <p:sldLayoutId id="2147483659" r:id="rId11"/>
   </p:sldLayoutIdLst>
+  <p:hf sldNum="0" hdr="0" dt="0"/>
   <p:txStyles>
     <p:titleStyle>
       <a:lvl1pPr algn="l" defTabSz="914400" rtl="0" eaLnBrk="1" latinLnBrk="0" hangingPunct="1">
@@ -4703,12 +4740,12 @@
           <a:p>
             <a:pPr algn="r"/>
             <a:r>
-              <a:rPr lang="en-US" b="1" dirty="0">
+              <a:rPr lang="en-US" b="1">
                 <a:solidFill>
                   <a:schemeClr val="tx1"/>
                 </a:solidFill>
               </a:rPr>
-              <a:t>CCINSYSL</a:t>
+              <a:t>CCMACLRL</a:t>
             </a:r>
             <a:endParaRPr lang="en-PH" b="1" dirty="0">
               <a:solidFill>
@@ -4798,19 +4835,19 @@
           <a:p>
             <a:pPr algn="r"/>
             <a:r>
-              <a:rPr lang="en-US" b="1" dirty="0">
+              <a:rPr lang="en-US" b="1">
                 <a:solidFill>
                   <a:schemeClr val="tx1"/>
                 </a:solidFill>
               </a:rPr>
-              <a:t>CCINSYSL</a:t>
+              <a:t>CCMACLRL</a:t>
             </a:r>
             <a:endParaRPr lang="en-PH" dirty="0"/>
           </a:p>
         </p:txBody>
       </p:sp>
-      <mc:AlternateContent xmlns:mc="http://schemas.openxmlformats.org/markup-compatibility/2006">
-        <mc:Choice xmlns:a14="http://schemas.microsoft.com/office/drawing/2010/main" Requires="a14">
+      <mc:AlternateContent xmlns:mc="http://schemas.openxmlformats.org/markup-compatibility/2006" xmlns:a14="http://schemas.microsoft.com/office/drawing/2010/main">
+        <mc:Choice Requires="a14">
           <p:sp>
             <p:nvSpPr>
               <p:cNvPr id="2" name="Title 1">
@@ -4899,7 +4936,7 @@
             </p:txBody>
           </p:sp>
         </mc:Choice>
-        <mc:Fallback>
+        <mc:Fallback xmlns="">
           <p:sp>
             <p:nvSpPr>
               <p:cNvPr id="2" name="Title 1">
@@ -4943,8 +4980,8 @@
           </p:sp>
         </mc:Fallback>
       </mc:AlternateContent>
-      <mc:AlternateContent xmlns:mc="http://schemas.openxmlformats.org/markup-compatibility/2006">
-        <mc:Choice xmlns:a14="http://schemas.microsoft.com/office/drawing/2010/main" Requires="a14">
+      <mc:AlternateContent xmlns:mc="http://schemas.openxmlformats.org/markup-compatibility/2006" xmlns:a14="http://schemas.microsoft.com/office/drawing/2010/main">
+        <mc:Choice Requires="a14">
           <p:sp>
             <p:nvSpPr>
               <p:cNvPr id="5" name="TextBox 4">
@@ -5140,7 +5177,7 @@
             </p:txBody>
           </p:sp>
         </mc:Choice>
-        <mc:Fallback>
+        <mc:Fallback xmlns="">
           <p:sp>
             <p:nvSpPr>
               <p:cNvPr id="5" name="TextBox 4">
@@ -5185,8 +5222,8 @@
           </p:sp>
         </mc:Fallback>
       </mc:AlternateContent>
-      <mc:AlternateContent xmlns:mc="http://schemas.openxmlformats.org/markup-compatibility/2006">
-        <mc:Choice xmlns:a14="http://schemas.microsoft.com/office/drawing/2010/main" Requires="a14">
+      <mc:AlternateContent xmlns:mc="http://schemas.openxmlformats.org/markup-compatibility/2006" xmlns:a14="http://schemas.microsoft.com/office/drawing/2010/main">
+        <mc:Choice Requires="a14">
           <p:sp>
             <p:nvSpPr>
               <p:cNvPr id="3" name="TextBox 2">
@@ -5260,7 +5297,7 @@
             </p:txBody>
           </p:sp>
         </mc:Choice>
-        <mc:Fallback>
+        <mc:Fallback xmlns="">
           <p:sp>
             <p:nvSpPr>
               <p:cNvPr id="3" name="TextBox 2">
@@ -5305,8 +5342,8 @@
           </p:sp>
         </mc:Fallback>
       </mc:AlternateContent>
-      <mc:AlternateContent xmlns:mc="http://schemas.openxmlformats.org/markup-compatibility/2006">
-        <mc:Choice xmlns:a14="http://schemas.microsoft.com/office/drawing/2010/main" Requires="a14">
+      <mc:AlternateContent xmlns:mc="http://schemas.openxmlformats.org/markup-compatibility/2006" xmlns:a14="http://schemas.microsoft.com/office/drawing/2010/main">
+        <mc:Choice Requires="a14">
           <p:sp>
             <p:nvSpPr>
               <p:cNvPr id="6" name="TextBox 5">
@@ -5426,7 +5463,7 @@
             </p:txBody>
           </p:sp>
         </mc:Choice>
-        <mc:Fallback>
+        <mc:Fallback xmlns="">
           <p:sp>
             <p:nvSpPr>
               <p:cNvPr id="6" name="TextBox 5">
@@ -5551,12 +5588,12 @@
           <a:p>
             <a:pPr algn="r"/>
             <a:r>
-              <a:rPr lang="en-US" b="1" dirty="0">
+              <a:rPr lang="en-US" b="1">
                 <a:solidFill>
                   <a:schemeClr val="tx1"/>
                 </a:solidFill>
               </a:rPr>
-              <a:t>CCINSYSL</a:t>
+              <a:t>CCMACLRL</a:t>
             </a:r>
             <a:endParaRPr lang="en-PH" dirty="0"/>
           </a:p>
@@ -5766,12 +5803,12 @@
           <a:p>
             <a:pPr algn="r"/>
             <a:r>
-              <a:rPr lang="en-US" b="1" dirty="0">
+              <a:rPr lang="en-US" b="1">
                 <a:solidFill>
                   <a:schemeClr val="tx1"/>
                 </a:solidFill>
               </a:rPr>
-              <a:t>CCINSYSL</a:t>
+              <a:t>CCMACLRL</a:t>
             </a:r>
             <a:endParaRPr lang="en-PH" dirty="0"/>
           </a:p>
@@ -5960,12 +5997,12 @@
           <a:p>
             <a:pPr algn="r"/>
             <a:r>
-              <a:rPr lang="en-US" b="1" dirty="0">
+              <a:rPr lang="en-US" b="1">
                 <a:solidFill>
                   <a:schemeClr val="tx1"/>
                 </a:solidFill>
               </a:rPr>
-              <a:t>CCINSYSL</a:t>
+              <a:t>CCMACLRL</a:t>
             </a:r>
             <a:endParaRPr lang="en-PH" dirty="0"/>
           </a:p>
@@ -6105,8 +6142,8 @@
           </p:sp>
         </mc:Fallback>
       </mc:AlternateContent>
-      <mc:AlternateContent xmlns:mc="http://schemas.openxmlformats.org/markup-compatibility/2006">
-        <mc:Choice xmlns:a14="http://schemas.microsoft.com/office/drawing/2010/main" Requires="a14">
+      <mc:AlternateContent xmlns:mc="http://schemas.openxmlformats.org/markup-compatibility/2006" xmlns:a14="http://schemas.microsoft.com/office/drawing/2010/main">
+        <mc:Choice Requires="a14">
           <p:sp>
             <p:nvSpPr>
               <p:cNvPr id="6" name="TextBox 5">
@@ -6274,7 +6311,7 @@
             </p:txBody>
           </p:sp>
         </mc:Choice>
-        <mc:Fallback>
+        <mc:Fallback xmlns="">
           <p:sp>
             <p:nvSpPr>
               <p:cNvPr id="6" name="TextBox 5">
@@ -6399,12 +6436,12 @@
           <a:p>
             <a:pPr algn="r"/>
             <a:r>
-              <a:rPr lang="en-US" b="1" dirty="0">
+              <a:rPr lang="en-US" b="1">
                 <a:solidFill>
                   <a:schemeClr val="tx1"/>
                 </a:solidFill>
               </a:rPr>
-              <a:t>CCINSYSL</a:t>
+              <a:t>CCMACLRL</a:t>
             </a:r>
             <a:endParaRPr lang="en-PH" dirty="0"/>
           </a:p>
@@ -7080,12 +7117,12 @@
           <a:p>
             <a:pPr algn="r"/>
             <a:r>
-              <a:rPr lang="en-US" b="1" dirty="0">
+              <a:rPr lang="en-US" b="1">
                 <a:solidFill>
                   <a:schemeClr val="tx1"/>
                 </a:solidFill>
               </a:rPr>
-              <a:t>CCINSYSL</a:t>
+              <a:t>CCMACLRL</a:t>
             </a:r>
             <a:endParaRPr lang="en-PH" dirty="0"/>
           </a:p>
@@ -7681,8 +7718,8 @@
           </a:graphicData>
         </a:graphic>
       </p:graphicFrame>
-      <mc:AlternateContent xmlns:mc="http://schemas.openxmlformats.org/markup-compatibility/2006">
-        <mc:Choice xmlns:a14="http://schemas.microsoft.com/office/drawing/2010/main" Requires="a14">
+      <mc:AlternateContent xmlns:mc="http://schemas.openxmlformats.org/markup-compatibility/2006" xmlns:a14="http://schemas.microsoft.com/office/drawing/2010/main">
+        <mc:Choice Requires="a14">
           <p:sp>
             <p:nvSpPr>
               <p:cNvPr id="8" name="TextBox 7">
@@ -8032,7 +8069,7 @@
             </p:txBody>
           </p:sp>
         </mc:Choice>
-        <mc:Fallback>
+        <mc:Fallback xmlns="">
           <p:sp>
             <p:nvSpPr>
               <p:cNvPr id="8" name="TextBox 7">
@@ -8077,8 +8114,8 @@
           </p:sp>
         </mc:Fallback>
       </mc:AlternateContent>
-      <mc:AlternateContent xmlns:mc="http://schemas.openxmlformats.org/markup-compatibility/2006">
-        <mc:Choice xmlns:a14="http://schemas.microsoft.com/office/drawing/2010/main" Requires="a14">
+      <mc:AlternateContent xmlns:mc="http://schemas.openxmlformats.org/markup-compatibility/2006" xmlns:a14="http://schemas.microsoft.com/office/drawing/2010/main">
+        <mc:Choice Requires="a14">
           <p:sp>
             <p:nvSpPr>
               <p:cNvPr id="9" name="TextBox 8">
@@ -8246,7 +8283,7 @@
             </p:txBody>
           </p:sp>
         </mc:Choice>
-        <mc:Fallback>
+        <mc:Fallback xmlns="">
           <p:sp>
             <p:nvSpPr>
               <p:cNvPr id="9" name="TextBox 8">
@@ -8371,12 +8408,12 @@
           <a:p>
             <a:pPr algn="r"/>
             <a:r>
-              <a:rPr lang="en-US" b="1" dirty="0">
+              <a:rPr lang="en-US" b="1">
                 <a:solidFill>
                   <a:schemeClr val="tx1"/>
                 </a:solidFill>
               </a:rPr>
-              <a:t>CCINSYSL</a:t>
+              <a:t>CCMACLRL</a:t>
             </a:r>
             <a:endParaRPr lang="en-PH" dirty="0"/>
           </a:p>
@@ -8516,8 +8553,8 @@
           </p:sp>
         </mc:Fallback>
       </mc:AlternateContent>
-      <mc:AlternateContent xmlns:mc="http://schemas.openxmlformats.org/markup-compatibility/2006">
-        <mc:Choice xmlns:a14="http://schemas.microsoft.com/office/drawing/2010/main" Requires="a14">
+      <mc:AlternateContent xmlns:mc="http://schemas.openxmlformats.org/markup-compatibility/2006" xmlns:a14="http://schemas.microsoft.com/office/drawing/2010/main">
+        <mc:Choice Requires="a14">
           <p:sp>
             <p:nvSpPr>
               <p:cNvPr id="3" name="TextBox 2">
@@ -8771,7 +8808,7 @@
             </p:txBody>
           </p:sp>
         </mc:Choice>
-        <mc:Fallback>
+        <mc:Fallback xmlns="">
           <p:sp>
             <p:nvSpPr>
               <p:cNvPr id="3" name="TextBox 2">
@@ -8816,8 +8853,8 @@
           </p:sp>
         </mc:Fallback>
       </mc:AlternateContent>
-      <mc:AlternateContent xmlns:mc="http://schemas.openxmlformats.org/markup-compatibility/2006">
-        <mc:Choice xmlns:a14="http://schemas.microsoft.com/office/drawing/2010/main" Requires="a14">
+      <mc:AlternateContent xmlns:mc="http://schemas.openxmlformats.org/markup-compatibility/2006" xmlns:a14="http://schemas.microsoft.com/office/drawing/2010/main">
+        <mc:Choice Requires="a14">
           <p:sp>
             <p:nvSpPr>
               <p:cNvPr id="7" name="TextBox 6">
@@ -9173,7 +9210,7 @@
             </p:txBody>
           </p:sp>
         </mc:Choice>
-        <mc:Fallback>
+        <mc:Fallback xmlns="">
           <p:sp>
             <p:nvSpPr>
               <p:cNvPr id="7" name="TextBox 6">
@@ -9298,12 +9335,12 @@
           <a:p>
             <a:pPr algn="r"/>
             <a:r>
-              <a:rPr lang="en-US" b="1" dirty="0">
+              <a:rPr lang="en-US" b="1">
                 <a:solidFill>
                   <a:schemeClr val="tx1"/>
                 </a:solidFill>
               </a:rPr>
-              <a:t>CCINSYSL</a:t>
+              <a:t>CCMACLRL</a:t>
             </a:r>
             <a:endParaRPr lang="en-PH" dirty="0"/>
           </a:p>
@@ -9443,8 +9480,8 @@
           </p:sp>
         </mc:Fallback>
       </mc:AlternateContent>
-      <mc:AlternateContent xmlns:mc="http://schemas.openxmlformats.org/markup-compatibility/2006">
-        <mc:Choice xmlns:a14="http://schemas.microsoft.com/office/drawing/2010/main" Requires="a14">
+      <mc:AlternateContent xmlns:mc="http://schemas.openxmlformats.org/markup-compatibility/2006" xmlns:a14="http://schemas.microsoft.com/office/drawing/2010/main">
+        <mc:Choice Requires="a14">
           <p:sp>
             <p:nvSpPr>
               <p:cNvPr id="7" name="TextBox 6">
@@ -9800,7 +9837,7 @@
             </p:txBody>
           </p:sp>
         </mc:Choice>
-        <mc:Fallback>
+        <mc:Fallback xmlns="">
           <p:sp>
             <p:nvSpPr>
               <p:cNvPr id="7" name="TextBox 6">
@@ -9845,8 +9882,8 @@
           </p:sp>
         </mc:Fallback>
       </mc:AlternateContent>
-      <mc:AlternateContent xmlns:mc="http://schemas.openxmlformats.org/markup-compatibility/2006">
-        <mc:Choice xmlns:a14="http://schemas.microsoft.com/office/drawing/2010/main" Requires="a14">
+      <mc:AlternateContent xmlns:mc="http://schemas.openxmlformats.org/markup-compatibility/2006" xmlns:a14="http://schemas.microsoft.com/office/drawing/2010/main">
+        <mc:Choice Requires="a14">
           <p:sp>
             <p:nvSpPr>
               <p:cNvPr id="5" name="TextBox 4">
@@ -10038,7 +10075,7 @@
             </p:txBody>
           </p:sp>
         </mc:Choice>
-        <mc:Fallback>
+        <mc:Fallback xmlns="">
           <p:sp>
             <p:nvSpPr>
               <p:cNvPr id="5" name="TextBox 4">
@@ -10163,12 +10200,12 @@
           <a:p>
             <a:pPr algn="r"/>
             <a:r>
-              <a:rPr lang="en-US" b="1" dirty="0">
+              <a:rPr lang="en-US" b="1">
                 <a:solidFill>
                   <a:schemeClr val="tx1"/>
                 </a:solidFill>
               </a:rPr>
-              <a:t>CCINSYSL</a:t>
+              <a:t>CCMACLRL</a:t>
             </a:r>
             <a:endParaRPr lang="en-PH" dirty="0"/>
           </a:p>
@@ -10308,8 +10345,8 @@
           </p:sp>
         </mc:Fallback>
       </mc:AlternateContent>
-      <mc:AlternateContent xmlns:mc="http://schemas.openxmlformats.org/markup-compatibility/2006">
-        <mc:Choice xmlns:a14="http://schemas.microsoft.com/office/drawing/2010/main" Requires="a14">
+      <mc:AlternateContent xmlns:mc="http://schemas.openxmlformats.org/markup-compatibility/2006" xmlns:a14="http://schemas.microsoft.com/office/drawing/2010/main">
+        <mc:Choice Requires="a14">
           <p:sp>
             <p:nvSpPr>
               <p:cNvPr id="5" name="TextBox 4">
@@ -10501,7 +10538,7 @@
             </p:txBody>
           </p:sp>
         </mc:Choice>
-        <mc:Fallback>
+        <mc:Fallback xmlns="">
           <p:sp>
             <p:nvSpPr>
               <p:cNvPr id="5" name="TextBox 4">
@@ -10546,8 +10583,8 @@
           </p:sp>
         </mc:Fallback>
       </mc:AlternateContent>
-      <mc:AlternateContent xmlns:mc="http://schemas.openxmlformats.org/markup-compatibility/2006">
-        <mc:Choice xmlns:a14="http://schemas.microsoft.com/office/drawing/2010/main" Requires="a14">
+      <mc:AlternateContent xmlns:mc="http://schemas.openxmlformats.org/markup-compatibility/2006" xmlns:a14="http://schemas.microsoft.com/office/drawing/2010/main">
+        <mc:Choice Requires="a14">
           <p:sp>
             <p:nvSpPr>
               <p:cNvPr id="7" name="TextBox 6">
@@ -10576,6 +10613,7 @@
               </a:bodyPr>
               <a:lstStyle/>
               <a:p>
+                <a:pPr/>
                 <a14:m>
                   <m:oMathPara xmlns:m="http://schemas.openxmlformats.org/officeDocument/2006/math">
                     <m:oMathParaPr>
@@ -10775,7 +10813,7 @@
             </p:txBody>
           </p:sp>
         </mc:Choice>
-        <mc:Fallback>
+        <mc:Fallback xmlns="">
           <p:sp>
             <p:nvSpPr>
               <p:cNvPr id="7" name="TextBox 6">
@@ -11424,9 +11462,12 @@
 </file>
 
 <file path=customXml/item1.xml><?xml version="1.0" encoding="utf-8"?>
-<p:properties xmlns:p="http://schemas.microsoft.com/office/2006/metadata/properties" xmlns:xsi="http://www.w3.org/2001/XMLSchema-instance" xmlns:pc="http://schemas.microsoft.com/office/infopath/2007/PartnerControls">
-  <documentManagement/>
-</p:properties>
+<?mso-contentType ?>
+<FormTemplates xmlns="http://schemas.microsoft.com/sharepoint/v3/contenttype/forms">
+  <Display>DocumentLibraryForm</Display>
+  <Edit>DocumentLibraryForm</Edit>
+  <New>DocumentLibraryForm</New>
+</FormTemplates>
 </file>
 
 <file path=customXml/item2.xml><?xml version="1.0" encoding="utf-8"?>
@@ -11562,19 +11603,15 @@
 </file>
 
 <file path=customXml/item3.xml><?xml version="1.0" encoding="utf-8"?>
-<?mso-contentType ?>
-<FormTemplates xmlns="http://schemas.microsoft.com/sharepoint/v3/contenttype/forms">
-  <Display>DocumentLibraryForm</Display>
-  <Edit>DocumentLibraryForm</Edit>
-  <New>DocumentLibraryForm</New>
-</FormTemplates>
+<p:properties xmlns:p="http://schemas.microsoft.com/office/2006/metadata/properties" xmlns:xsi="http://www.w3.org/2001/XMLSchema-instance" xmlns:pc="http://schemas.microsoft.com/office/infopath/2007/PartnerControls">
+  <documentManagement/>
+</p:properties>
 </file>
 
 <file path=customXml/itemProps1.xml><?xml version="1.0" encoding="utf-8"?>
-<ds:datastoreItem xmlns:ds="http://schemas.openxmlformats.org/officeDocument/2006/customXml" ds:itemID="{7ACF14CA-9E7F-410C-99DF-E0FAFDE78C11}">
+<ds:datastoreItem xmlns:ds="http://schemas.openxmlformats.org/officeDocument/2006/customXml" ds:itemID="{6C1A3F1B-CE3A-47AB-9F84-47E786467973}">
   <ds:schemaRefs>
-    <ds:schemaRef ds:uri="http://schemas.microsoft.com/office/2006/metadata/properties"/>
-    <ds:schemaRef ds:uri="http://schemas.microsoft.com/office/infopath/2007/PartnerControls"/>
+    <ds:schemaRef ds:uri="http://schemas.microsoft.com/sharepoint/v3/contenttype/forms"/>
   </ds:schemaRefs>
 </ds:datastoreItem>
 </file>
@@ -11598,9 +11635,10 @@
 </file>
 
 <file path=customXml/itemProps3.xml><?xml version="1.0" encoding="utf-8"?>
-<ds:datastoreItem xmlns:ds="http://schemas.openxmlformats.org/officeDocument/2006/customXml" ds:itemID="{6C1A3F1B-CE3A-47AB-9F84-47E786467973}">
+<ds:datastoreItem xmlns:ds="http://schemas.openxmlformats.org/officeDocument/2006/customXml" ds:itemID="{7ACF14CA-9E7F-410C-99DF-E0FAFDE78C11}">
   <ds:schemaRefs>
-    <ds:schemaRef ds:uri="http://schemas.microsoft.com/sharepoint/v3/contenttype/forms"/>
+    <ds:schemaRef ds:uri="http://schemas.microsoft.com/office/2006/metadata/properties"/>
+    <ds:schemaRef ds:uri="http://schemas.microsoft.com/office/infopath/2007/PartnerControls"/>
   </ds:schemaRefs>
 </ds:datastoreItem>
 </file>